--- a/project_01/docs/Hlibok_ENGI301_project_01_proposal.pptx
+++ b/project_01/docs/Hlibok_ENGI301_project_01_proposal.pptx
@@ -5,10 +5,10 @@
     <p:sldMasterId id="2147483648" r:id="rId1"/>
   </p:sldMasterIdLst>
   <p:notesMasterIdLst>
-    <p:notesMasterId r:id="rId9"/>
+    <p:notesMasterId r:id="rId10"/>
   </p:notesMasterIdLst>
   <p:handoutMasterIdLst>
-    <p:handoutMasterId r:id="rId10"/>
+    <p:handoutMasterId r:id="rId11"/>
   </p:handoutMasterIdLst>
   <p:sldIdLst>
     <p:sldId id="261" r:id="rId2"/>
@@ -17,7 +17,8 @@
     <p:sldId id="370" r:id="rId5"/>
     <p:sldId id="369" r:id="rId6"/>
     <p:sldId id="371" r:id="rId7"/>
-    <p:sldId id="372" r:id="rId8"/>
+    <p:sldId id="373" r:id="rId8"/>
+    <p:sldId id="372" r:id="rId9"/>
   </p:sldIdLst>
   <p:sldSz cx="12192000" cy="6858000"/>
   <p:notesSz cx="6858000" cy="9144000"/>
@@ -16534,6 +16535,244 @@
           <p:cNvPr id="2" name="Title 1">
             <a:extLst>
               <a:ext uri="{FF2B5EF4-FFF2-40B4-BE49-F238E27FC236}">
+                <a16:creationId xmlns:a16="http://schemas.microsoft.com/office/drawing/2014/main" id="{FB7E824B-CFA1-AFFC-A2EC-E3793AE3D5F3}"/>
+              </a:ext>
+            </a:extLst>
+          </p:cNvPr>
+          <p:cNvSpPr>
+            <a:spLocks noGrp="1"/>
+          </p:cNvSpPr>
+          <p:nvPr>
+            <p:ph type="title"/>
+          </p:nvPr>
+        </p:nvSpPr>
+        <p:spPr/>
+        <p:txBody>
+          <a:bodyPr/>
+          <a:lstStyle/>
+          <a:p>
+            <a:r>
+              <a:rPr lang="en-US" dirty="0"/>
+              <a:t>Software Diagram (Main Class)</a:t>
+            </a:r>
+          </a:p>
+        </p:txBody>
+      </p:sp>
+      <p:sp>
+        <p:nvSpPr>
+          <p:cNvPr id="3" name="Content Placeholder 2">
+            <a:extLst>
+              <a:ext uri="{FF2B5EF4-FFF2-40B4-BE49-F238E27FC236}">
+                <a16:creationId xmlns:a16="http://schemas.microsoft.com/office/drawing/2014/main" id="{345A8C90-B0E2-12B3-E380-FD92106DB6BE}"/>
+              </a:ext>
+            </a:extLst>
+          </p:cNvPr>
+          <p:cNvSpPr>
+            <a:spLocks noGrp="1"/>
+          </p:cNvSpPr>
+          <p:nvPr>
+            <p:ph idx="1"/>
+          </p:nvPr>
+        </p:nvSpPr>
+        <p:spPr/>
+        <p:txBody>
+          <a:bodyPr/>
+          <a:lstStyle/>
+          <a:p>
+            <a:pPr marL="0" indent="0" rtl="0">
+              <a:spcBef>
+                <a:spcPts val="0"/>
+              </a:spcBef>
+              <a:spcAft>
+                <a:spcPts val="0"/>
+              </a:spcAft>
+              <a:buNone/>
+            </a:pPr>
+            <a:r>
+              <a:rPr lang="en-US" sz="2000" b="1" i="0" u="none" strike="noStrike" dirty="0">
+                <a:solidFill>
+                  <a:srgbClr val="000000"/>
+                </a:solidFill>
+                <a:effectLst/>
+                <a:latin typeface="Arial" panose="020B0604020202020204" pitchFamily="34" charset="0"/>
+              </a:rPr>
+              <a:t>MAIN</a:t>
+            </a:r>
+          </a:p>
+          <a:p>
+            <a:pPr marL="0" indent="0" rtl="0">
+              <a:spcBef>
+                <a:spcPts val="0"/>
+              </a:spcBef>
+              <a:spcAft>
+                <a:spcPts val="0"/>
+              </a:spcAft>
+              <a:buNone/>
+            </a:pPr>
+            <a:r>
+              <a:rPr lang="en-US" dirty="0">
+                <a:solidFill>
+                  <a:srgbClr val="000000"/>
+                </a:solidFill>
+                <a:latin typeface="Arial" panose="020B0604020202020204" pitchFamily="34" charset="0"/>
+              </a:rPr>
+              <a:t>Setup:</a:t>
+            </a:r>
+            <a:endParaRPr lang="en-US" sz="2000" b="0" dirty="0">
+              <a:effectLst/>
+            </a:endParaRPr>
+          </a:p>
+          <a:p>
+            <a:pPr rtl="0" fontAlgn="base">
+              <a:spcBef>
+                <a:spcPts val="0"/>
+              </a:spcBef>
+              <a:spcAft>
+                <a:spcPts val="0"/>
+              </a:spcAft>
+              <a:buFont typeface="Arial" panose="020B0604020202020204" pitchFamily="34" charset="0"/>
+              <a:buChar char="•"/>
+            </a:pPr>
+            <a:r>
+              <a:rPr lang="en-US" sz="2000" b="0" i="0" u="none" strike="noStrike" dirty="0">
+                <a:solidFill>
+                  <a:srgbClr val="000000"/>
+                </a:solidFill>
+                <a:effectLst/>
+                <a:latin typeface="Arial" panose="020B0604020202020204" pitchFamily="34" charset="0"/>
+              </a:rPr>
+              <a:t>Startup Python</a:t>
+            </a:r>
+          </a:p>
+          <a:p>
+            <a:pPr rtl="0" fontAlgn="base">
+              <a:spcBef>
+                <a:spcPts val="0"/>
+              </a:spcBef>
+              <a:spcAft>
+                <a:spcPts val="0"/>
+              </a:spcAft>
+              <a:buFont typeface="Arial" panose="020B0604020202020204" pitchFamily="34" charset="0"/>
+              <a:buChar char="•"/>
+            </a:pPr>
+            <a:r>
+              <a:rPr lang="en-US" sz="2000" b="0" i="0" u="none" strike="noStrike" dirty="0">
+                <a:solidFill>
+                  <a:srgbClr val="000000"/>
+                </a:solidFill>
+                <a:effectLst/>
+                <a:latin typeface="Arial" panose="020B0604020202020204" pitchFamily="34" charset="0"/>
+              </a:rPr>
+              <a:t>Connect to internet</a:t>
+            </a:r>
+          </a:p>
+          <a:p>
+            <a:pPr rtl="0" fontAlgn="base">
+              <a:spcBef>
+                <a:spcPts val="0"/>
+              </a:spcBef>
+              <a:spcAft>
+                <a:spcPts val="0"/>
+              </a:spcAft>
+              <a:buFont typeface="Arial" panose="020B0604020202020204" pitchFamily="34" charset="0"/>
+              <a:buChar char="•"/>
+            </a:pPr>
+            <a:r>
+              <a:rPr lang="en-US" sz="2000" b="0" i="0" u="none" strike="noStrike" dirty="0">
+                <a:solidFill>
+                  <a:srgbClr val="000000"/>
+                </a:solidFill>
+                <a:effectLst/>
+                <a:latin typeface="Arial" panose="020B0604020202020204" pitchFamily="34" charset="0"/>
+              </a:rPr>
+              <a:t>Initialize input pins for sensors, buttons, and display</a:t>
+            </a:r>
+          </a:p>
+          <a:p>
+            <a:r>
+              <a:rPr lang="en-US" dirty="0"/>
+              <a:t>Code Flow Chart:</a:t>
+            </a:r>
+          </a:p>
+        </p:txBody>
+      </p:sp>
+      <p:pic>
+        <p:nvPicPr>
+          <p:cNvPr id="5" name="Picture 4" descr="A diagram of a computer&#10;&#10;Description automatically generated">
+            <a:extLst>
+              <a:ext uri="{FF2B5EF4-FFF2-40B4-BE49-F238E27FC236}">
+                <a16:creationId xmlns:a16="http://schemas.microsoft.com/office/drawing/2014/main" id="{BFF339C0-FF8A-6238-A3E0-9C47BB67000E}"/>
+              </a:ext>
+            </a:extLst>
+          </p:cNvPr>
+          <p:cNvPicPr>
+            <a:picLocks noChangeAspect="1"/>
+          </p:cNvPicPr>
+          <p:nvPr/>
+        </p:nvPicPr>
+        <p:blipFill>
+          <a:blip r:embed="rId2"/>
+          <a:stretch>
+            <a:fillRect/>
+          </a:stretch>
+        </p:blipFill>
+        <p:spPr>
+          <a:xfrm>
+            <a:off x="3086100" y="2743200"/>
+            <a:ext cx="6534716" cy="3334039"/>
+          </a:xfrm>
+          <a:prstGeom prst="rect">
+            <a:avLst/>
+          </a:prstGeom>
+        </p:spPr>
+      </p:pic>
+    </p:spTree>
+    <p:extLst>
+      <p:ext uri="{BB962C8B-B14F-4D97-AF65-F5344CB8AC3E}">
+        <p14:creationId xmlns:p14="http://schemas.microsoft.com/office/powerpoint/2010/main" val="3113206970"/>
+      </p:ext>
+    </p:extLst>
+  </p:cSld>
+  <p:clrMapOvr>
+    <a:masterClrMapping/>
+  </p:clrMapOvr>
+  <mc:AlternateContent xmlns:mc="http://schemas.openxmlformats.org/markup-compatibility/2006" xmlns:p14="http://schemas.microsoft.com/office/powerpoint/2010/main">
+    <mc:Choice Requires="p14">
+      <p:transition spd="med" p14:dur="700">
+        <p:fade/>
+      </p:transition>
+    </mc:Choice>
+    <mc:Fallback xmlns="">
+      <p:transition spd="med">
+        <p:fade/>
+      </p:transition>
+    </mc:Fallback>
+  </mc:AlternateContent>
+</p:sld>
+</file>
+
+<file path=ppt/slides/slide8.xml><?xml version="1.0" encoding="utf-8"?>
+<p:sld xmlns:a="http://schemas.openxmlformats.org/drawingml/2006/main" xmlns:r="http://schemas.openxmlformats.org/officeDocument/2006/relationships" xmlns:p="http://schemas.openxmlformats.org/presentationml/2006/main">
+  <p:cSld>
+    <p:spTree>
+      <p:nvGrpSpPr>
+        <p:cNvPr id="1" name=""/>
+        <p:cNvGrpSpPr/>
+        <p:nvPr/>
+      </p:nvGrpSpPr>
+      <p:grpSpPr>
+        <a:xfrm>
+          <a:off x="0" y="0"/>
+          <a:ext cx="0" cy="0"/>
+          <a:chOff x="0" y="0"/>
+          <a:chExt cx="0" cy="0"/>
+        </a:xfrm>
+      </p:grpSpPr>
+      <p:sp>
+        <p:nvSpPr>
+          <p:cNvPr id="2" name="Title 1">
+            <a:extLst>
+              <a:ext uri="{FF2B5EF4-FFF2-40B4-BE49-F238E27FC236}">
                 <a16:creationId xmlns:a16="http://schemas.microsoft.com/office/drawing/2014/main" id="{C1CBB9FC-70BD-B52C-A303-74894D46C436}"/>
               </a:ext>
             </a:extLst>
@@ -16552,7 +16791,7 @@
           <a:p>
             <a:r>
               <a:rPr lang="en-US" dirty="0"/>
-              <a:t>Software Diagram (Classes)</a:t>
+              <a:t>Software Diagram (Component Classes)</a:t>
             </a:r>
           </a:p>
         </p:txBody>
@@ -16577,95 +16816,6 @@
         <p:txBody>
           <a:bodyPr/>
           <a:lstStyle/>
-          <a:p>
-            <a:pPr rtl="0">
-              <a:spcBef>
-                <a:spcPts val="0"/>
-              </a:spcBef>
-              <a:spcAft>
-                <a:spcPts val="0"/>
-              </a:spcAft>
-            </a:pPr>
-            <a:r>
-              <a:rPr lang="en-US" sz="1400" b="1" i="0" u="none" strike="noStrike" dirty="0">
-                <a:solidFill>
-                  <a:srgbClr val="000000"/>
-                </a:solidFill>
-                <a:effectLst/>
-                <a:latin typeface="Arial" panose="020B0604020202020204" pitchFamily="34" charset="0"/>
-              </a:rPr>
-              <a:t>STARTUP MAIN: Electronics Bootup</a:t>
-            </a:r>
-            <a:endParaRPr lang="en-US" sz="1400" b="0" dirty="0">
-              <a:effectLst/>
-            </a:endParaRPr>
-          </a:p>
-          <a:p>
-            <a:pPr rtl="0" fontAlgn="base">
-              <a:spcBef>
-                <a:spcPts val="0"/>
-              </a:spcBef>
-              <a:spcAft>
-                <a:spcPts val="0"/>
-              </a:spcAft>
-              <a:buFont typeface="Arial" panose="020B0604020202020204" pitchFamily="34" charset="0"/>
-              <a:buChar char="•"/>
-            </a:pPr>
-            <a:r>
-              <a:rPr lang="en-US" sz="1400" b="0" i="0" u="none" strike="noStrike" dirty="0">
-                <a:solidFill>
-                  <a:srgbClr val="000000"/>
-                </a:solidFill>
-                <a:effectLst/>
-                <a:latin typeface="Arial" panose="020B0604020202020204" pitchFamily="34" charset="0"/>
-              </a:rPr>
-              <a:t>Startup Python</a:t>
-            </a:r>
-          </a:p>
-          <a:p>
-            <a:pPr rtl="0" fontAlgn="base">
-              <a:spcBef>
-                <a:spcPts val="0"/>
-              </a:spcBef>
-              <a:spcAft>
-                <a:spcPts val="0"/>
-              </a:spcAft>
-              <a:buFont typeface="Arial" panose="020B0604020202020204" pitchFamily="34" charset="0"/>
-              <a:buChar char="•"/>
-            </a:pPr>
-            <a:r>
-              <a:rPr lang="en-US" sz="1400" b="0" i="0" u="none" strike="noStrike" dirty="0">
-                <a:solidFill>
-                  <a:srgbClr val="000000"/>
-                </a:solidFill>
-                <a:effectLst/>
-                <a:latin typeface="Arial" panose="020B0604020202020204" pitchFamily="34" charset="0"/>
-              </a:rPr>
-              <a:t>Connect to internet</a:t>
-            </a:r>
-          </a:p>
-          <a:p>
-            <a:pPr rtl="0" fontAlgn="base">
-              <a:spcBef>
-                <a:spcPts val="0"/>
-              </a:spcBef>
-              <a:spcAft>
-                <a:spcPts val="0"/>
-              </a:spcAft>
-              <a:buFont typeface="Arial" panose="020B0604020202020204" pitchFamily="34" charset="0"/>
-              <a:buChar char="•"/>
-            </a:pPr>
-            <a:r>
-              <a:rPr lang="en-US" sz="1400" b="0" i="0" u="none" strike="noStrike" dirty="0">
-                <a:solidFill>
-                  <a:srgbClr val="000000"/>
-                </a:solidFill>
-                <a:effectLst/>
-                <a:latin typeface="Arial" panose="020B0604020202020204" pitchFamily="34" charset="0"/>
-              </a:rPr>
-              <a:t>Initialize input pins for sensors, buttons, and display</a:t>
-            </a:r>
-          </a:p>
           <a:p>
             <a:pPr marL="0" indent="0" rtl="0" fontAlgn="base">
               <a:spcBef>

--- a/project_01/docs/Hlibok_ENGI301_project_01_proposal.pptx
+++ b/project_01/docs/Hlibok_ENGI301_project_01_proposal.pptx
@@ -15557,10 +15557,10 @@
       </p:sp>
       <p:pic>
         <p:nvPicPr>
-          <p:cNvPr id="8" name="Picture 7" descr="A diagram of a device&#10;&#10;Description automatically generated">
+          <p:cNvPr id="4" name="Picture 3" descr="A diagram of a cloud&#10;&#10;Description automatically generated">
             <a:extLst>
               <a:ext uri="{FF2B5EF4-FFF2-40B4-BE49-F238E27FC236}">
-                <a16:creationId xmlns:a16="http://schemas.microsoft.com/office/drawing/2014/main" id="{75A09285-8A41-E29C-46BB-7650653D48A3}"/>
+                <a16:creationId xmlns:a16="http://schemas.microsoft.com/office/drawing/2014/main" id="{A5DB2C0B-D02E-4C71-08C5-B486DAE41F62}"/>
               </a:ext>
             </a:extLst>
           </p:cNvPr>
@@ -15577,8 +15577,8 @@
         </p:blipFill>
         <p:spPr>
           <a:xfrm>
-            <a:off x="2895600" y="1600200"/>
-            <a:ext cx="5791200" cy="4288420"/>
+            <a:off x="2624789" y="1329508"/>
+            <a:ext cx="6942422" cy="4198984"/>
           </a:xfrm>
           <a:prstGeom prst="rect">
             <a:avLst/>
@@ -15671,7 +15671,7 @@
             <p:ph idx="1"/>
             <p:extLst>
               <p:ext uri="{D42A27DB-BD31-4B8C-83A1-F6EECF244321}">
-                <p14:modId xmlns:p14="http://schemas.microsoft.com/office/powerpoint/2010/main" val="2737296693"/>
+                <p14:modId xmlns:p14="http://schemas.microsoft.com/office/powerpoint/2010/main" val="3223164358"/>
               </p:ext>
             </p:extLst>
           </p:nvPr>
@@ -15996,12 +15996,9 @@
                       </a:r>
                       <a:r>
                         <a:rPr lang="en-US" dirty="0" err="1"/>
-                        <a:t>WiFi</a:t>
+                        <a:t>Wifi</a:t>
                       </a:r>
-                      <a:r>
-                        <a:rPr lang="en-US" dirty="0"/>
-                        <a:t>?</a:t>
-                      </a:r>
+                      <a:endParaRPr lang="en-US" dirty="0"/>
                     </a:p>
                   </a:txBody>
                   <a:tcPr/>
@@ -16814,10 +16811,15 @@
         </p:nvSpPr>
         <p:spPr/>
         <p:txBody>
-          <a:bodyPr/>
+          <a:bodyPr>
+            <a:normAutofit fontScale="92500" lnSpcReduction="20000"/>
+          </a:bodyPr>
           <a:lstStyle/>
           <a:p>
             <a:pPr marL="0" indent="0" rtl="0" fontAlgn="base">
+              <a:lnSpc>
+                <a:spcPct val="110000"/>
+              </a:lnSpc>
               <a:spcBef>
                 <a:spcPts val="0"/>
               </a:spcBef>
@@ -16832,7 +16834,7 @@
               </a:rPr>
             </a:br>
             <a:r>
-              <a:rPr lang="en-US" sz="1400" b="1" i="0" u="none" strike="noStrike" dirty="0">
+              <a:rPr lang="en-US" sz="1800" b="1" i="0" u="none" strike="noStrike" dirty="0">
                 <a:solidFill>
                   <a:srgbClr val="000000"/>
                 </a:solidFill>
@@ -16844,6 +16846,9 @@
           </a:p>
           <a:p>
             <a:pPr marL="0" indent="0" rtl="0" fontAlgn="base">
+              <a:lnSpc>
+                <a:spcPct val="110000"/>
+              </a:lnSpc>
               <a:spcBef>
                 <a:spcPts val="0"/>
               </a:spcBef>
@@ -16853,7 +16858,7 @@
               <a:buNone/>
             </a:pPr>
             <a:r>
-              <a:rPr lang="en-US" sz="1400" b="1" dirty="0">
+              <a:rPr lang="en-US" sz="1800" b="1" dirty="0">
                 <a:solidFill>
                   <a:srgbClr val="000000"/>
                 </a:solidFill>
@@ -16862,7 +16867,7 @@
               <a:t>-</a:t>
             </a:r>
             <a:r>
-              <a:rPr lang="en-US" sz="1400" b="0" i="0" u="none" strike="noStrike" dirty="0">
+              <a:rPr lang="en-US" sz="1800" b="0" i="0" u="none" strike="noStrike" dirty="0">
                 <a:solidFill>
                   <a:srgbClr val="000000"/>
                 </a:solidFill>
@@ -16874,6 +16879,9 @@
           </a:p>
           <a:p>
             <a:pPr marL="0" indent="0" rtl="0" fontAlgn="base">
+              <a:lnSpc>
+                <a:spcPct val="110000"/>
+              </a:lnSpc>
               <a:spcBef>
                 <a:spcPts val="0"/>
               </a:spcBef>
@@ -16883,7 +16891,7 @@
               <a:buNone/>
             </a:pPr>
             <a:r>
-              <a:rPr lang="en-US" sz="1400" dirty="0">
+              <a:rPr lang="en-US" sz="1800" dirty="0">
                 <a:solidFill>
                   <a:srgbClr val="000000"/>
                 </a:solidFill>
@@ -16892,7 +16900,7 @@
               <a:t>	-</a:t>
             </a:r>
             <a:r>
-              <a:rPr lang="en-US" sz="1400" b="0" i="0" u="none" strike="noStrike" dirty="0">
+              <a:rPr lang="en-US" sz="1800" b="0" i="0" u="none" strike="noStrike" dirty="0">
                 <a:solidFill>
                   <a:srgbClr val="000000"/>
                 </a:solidFill>
@@ -16904,6 +16912,9 @@
           </a:p>
           <a:p>
             <a:pPr marL="0" indent="0" rtl="0" fontAlgn="base">
+              <a:lnSpc>
+                <a:spcPct val="110000"/>
+              </a:lnSpc>
               <a:spcBef>
                 <a:spcPts val="0"/>
               </a:spcBef>
@@ -16913,7 +16924,7 @@
               <a:buNone/>
             </a:pPr>
             <a:r>
-              <a:rPr lang="en-US" sz="1400" b="1" i="0" u="none" strike="noStrike" dirty="0">
+              <a:rPr lang="en-US" sz="1800" b="1" i="0" u="none" strike="noStrike" dirty="0">
                 <a:solidFill>
                   <a:srgbClr val="000000"/>
                 </a:solidFill>
@@ -16925,6 +16936,9 @@
           </a:p>
           <a:p>
             <a:pPr marL="0" indent="0" rtl="0" fontAlgn="base">
+              <a:lnSpc>
+                <a:spcPct val="110000"/>
+              </a:lnSpc>
               <a:spcBef>
                 <a:spcPts val="0"/>
               </a:spcBef>
@@ -16934,7 +16948,7 @@
               <a:buNone/>
             </a:pPr>
             <a:r>
-              <a:rPr lang="en-US" sz="1400" b="1" dirty="0">
+              <a:rPr lang="en-US" sz="1800" b="1" dirty="0">
                 <a:solidFill>
                   <a:srgbClr val="000000"/>
                 </a:solidFill>
@@ -16943,7 +16957,7 @@
               <a:t>- </a:t>
             </a:r>
             <a:r>
-              <a:rPr lang="en-US" sz="1400" b="0" i="0" u="none" strike="noStrike" dirty="0">
+              <a:rPr lang="en-US" sz="1800" b="0" i="0" u="none" strike="noStrike" dirty="0">
                 <a:solidFill>
                   <a:srgbClr val="000000"/>
                 </a:solidFill>
@@ -16955,6 +16969,9 @@
           </a:p>
           <a:p>
             <a:pPr marL="0" indent="0" rtl="0" fontAlgn="base">
+              <a:lnSpc>
+                <a:spcPct val="110000"/>
+              </a:lnSpc>
               <a:spcBef>
                 <a:spcPts val="0"/>
               </a:spcBef>
@@ -16964,7 +16981,7 @@
               <a:buNone/>
             </a:pPr>
             <a:r>
-              <a:rPr lang="en-US" sz="1400" b="0" i="0" u="none" strike="noStrike" dirty="0">
+              <a:rPr lang="en-US" sz="1800" b="0" i="0" u="none" strike="noStrike" dirty="0">
                 <a:solidFill>
                   <a:srgbClr val="000000"/>
                 </a:solidFill>
@@ -16976,6 +16993,9 @@
           </a:p>
           <a:p>
             <a:pPr marL="0" indent="0" rtl="0" fontAlgn="base">
+              <a:lnSpc>
+                <a:spcPct val="110000"/>
+              </a:lnSpc>
               <a:spcBef>
                 <a:spcPts val="0"/>
               </a:spcBef>
@@ -16985,7 +17005,7 @@
               <a:buNone/>
             </a:pPr>
             <a:r>
-              <a:rPr lang="en-US" sz="1400" b="1" i="0" u="none" strike="noStrike" dirty="0">
+              <a:rPr lang="en-US" sz="1800" b="1" i="0" u="none" strike="noStrike" dirty="0">
                 <a:solidFill>
                   <a:srgbClr val="000000"/>
                 </a:solidFill>
@@ -16994,10 +17014,13 @@
               </a:rPr>
               <a:t>Display Class</a:t>
             </a:r>
-            <a:endParaRPr lang="en-US" sz="1400" dirty="0"/>
+            <a:endParaRPr lang="en-US" sz="1800" dirty="0"/>
           </a:p>
           <a:p>
             <a:pPr marL="0" indent="0" rtl="0" fontAlgn="base">
+              <a:lnSpc>
+                <a:spcPct val="110000"/>
+              </a:lnSpc>
               <a:spcBef>
                 <a:spcPts val="0"/>
               </a:spcBef>
@@ -17007,7 +17030,7 @@
               <a:buNone/>
             </a:pPr>
             <a:r>
-              <a:rPr lang="en-US" sz="1400" b="0" i="0" u="none" strike="noStrike" dirty="0">
+              <a:rPr lang="en-US" sz="1800" b="0" i="0" u="none" strike="noStrike" dirty="0">
                 <a:solidFill>
                   <a:srgbClr val="000000"/>
                 </a:solidFill>
@@ -17019,6 +17042,9 @@
           </a:p>
           <a:p>
             <a:pPr marL="0" indent="0" rtl="0" fontAlgn="base">
+              <a:lnSpc>
+                <a:spcPct val="110000"/>
+              </a:lnSpc>
               <a:spcBef>
                 <a:spcPts val="0"/>
               </a:spcBef>
@@ -17028,7 +17054,7 @@
               <a:buNone/>
             </a:pPr>
             <a:r>
-              <a:rPr lang="en-US" sz="1400" dirty="0">
+              <a:rPr lang="en-US" sz="1800" dirty="0">
                 <a:solidFill>
                   <a:srgbClr val="000000"/>
                 </a:solidFill>
@@ -17037,7 +17063,7 @@
               <a:t>	-</a:t>
             </a:r>
             <a:r>
-              <a:rPr lang="en-US" sz="1400" b="0" i="0" u="none" strike="noStrike" dirty="0">
+              <a:rPr lang="en-US" sz="1800" b="0" i="0" u="none" strike="noStrike" dirty="0">
                 <a:solidFill>
                   <a:srgbClr val="000000"/>
                 </a:solidFill>
@@ -17049,6 +17075,9 @@
           </a:p>
           <a:p>
             <a:pPr marL="0" indent="0" rtl="0" fontAlgn="base">
+              <a:lnSpc>
+                <a:spcPct val="110000"/>
+              </a:lnSpc>
               <a:spcBef>
                 <a:spcPts val="0"/>
               </a:spcBef>
@@ -17058,7 +17087,7 @@
               <a:buNone/>
             </a:pPr>
             <a:r>
-              <a:rPr lang="en-US" sz="1400" dirty="0">
+              <a:rPr lang="en-US" sz="1800" dirty="0">
                 <a:solidFill>
                   <a:srgbClr val="000000"/>
                 </a:solidFill>
@@ -17067,7 +17096,7 @@
               <a:t>	-</a:t>
             </a:r>
             <a:r>
-              <a:rPr lang="en-US" sz="1400" b="0" i="0" u="none" strike="noStrike" dirty="0">
+              <a:rPr lang="en-US" sz="1800" b="0" i="0" u="none" strike="noStrike" dirty="0">
                 <a:solidFill>
                   <a:srgbClr val="000000"/>
                 </a:solidFill>
@@ -17079,6 +17108,9 @@
           </a:p>
           <a:p>
             <a:pPr marL="0" indent="0" rtl="0" fontAlgn="base">
+              <a:lnSpc>
+                <a:spcPct val="110000"/>
+              </a:lnSpc>
               <a:spcBef>
                 <a:spcPts val="0"/>
               </a:spcBef>
@@ -17088,7 +17120,7 @@
               <a:buNone/>
             </a:pPr>
             <a:r>
-              <a:rPr lang="en-US" sz="1400" b="1" i="0" u="none" strike="noStrike" dirty="0">
+              <a:rPr lang="en-US" sz="1800" b="1" i="0" u="none" strike="noStrike" dirty="0">
                 <a:solidFill>
                   <a:srgbClr val="000000"/>
                 </a:solidFill>
@@ -17097,10 +17129,13 @@
               </a:rPr>
               <a:t>Communication Class (Cloud)</a:t>
             </a:r>
-            <a:endParaRPr lang="en-US" sz="1400" dirty="0"/>
+            <a:endParaRPr lang="en-US" sz="1800" dirty="0"/>
           </a:p>
           <a:p>
             <a:pPr marL="0" indent="0" rtl="0" fontAlgn="base">
+              <a:lnSpc>
+                <a:spcPct val="110000"/>
+              </a:lnSpc>
               <a:spcBef>
                 <a:spcPts val="0"/>
               </a:spcBef>
@@ -17110,7 +17145,7 @@
               <a:buNone/>
             </a:pPr>
             <a:r>
-              <a:rPr lang="en-US" sz="1400" b="0" i="0" u="none" strike="noStrike" dirty="0">
+              <a:rPr lang="en-US" sz="1800" b="0" i="0" u="none" strike="noStrike" dirty="0">
                 <a:solidFill>
                   <a:srgbClr val="000000"/>
                 </a:solidFill>
@@ -17122,6 +17157,9 @@
           </a:p>
           <a:p>
             <a:pPr marL="0" indent="0" rtl="0" fontAlgn="base">
+              <a:lnSpc>
+                <a:spcPct val="110000"/>
+              </a:lnSpc>
               <a:spcBef>
                 <a:spcPts val="0"/>
               </a:spcBef>
@@ -17131,7 +17169,7 @@
               <a:buNone/>
             </a:pPr>
             <a:r>
-              <a:rPr lang="en-US" sz="1400" dirty="0">
+              <a:rPr lang="en-US" sz="1800" dirty="0">
                 <a:solidFill>
                   <a:srgbClr val="000000"/>
                 </a:solidFill>
@@ -17140,7 +17178,7 @@
               <a:t>	-</a:t>
             </a:r>
             <a:r>
-              <a:rPr lang="en-US" sz="1400" b="0" i="0" u="none" strike="noStrike" dirty="0">
+              <a:rPr lang="en-US" sz="1800" b="0" i="0" u="none" strike="noStrike" dirty="0">
                 <a:solidFill>
                   <a:srgbClr val="000000"/>
                 </a:solidFill>
@@ -17152,6 +17190,9 @@
           </a:p>
           <a:p>
             <a:pPr marL="0" indent="0" rtl="0" fontAlgn="base">
+              <a:lnSpc>
+                <a:spcPct val="110000"/>
+              </a:lnSpc>
               <a:spcBef>
                 <a:spcPts val="0"/>
               </a:spcBef>
@@ -17161,7 +17202,7 @@
               <a:buNone/>
             </a:pPr>
             <a:r>
-              <a:rPr lang="en-US" sz="1400" dirty="0">
+              <a:rPr lang="en-US" sz="1800" dirty="0">
                 <a:solidFill>
                   <a:srgbClr val="000000"/>
                 </a:solidFill>
@@ -17170,7 +17211,7 @@
               <a:t>-</a:t>
             </a:r>
             <a:r>
-              <a:rPr lang="en-US" sz="1400" b="0" i="0" u="none" strike="noStrike" dirty="0">
+              <a:rPr lang="en-US" sz="1800" b="0" i="0" u="none" strike="noStrike" dirty="0">
                 <a:solidFill>
                   <a:srgbClr val="000000"/>
                 </a:solidFill>
@@ -17182,6 +17223,9 @@
           </a:p>
           <a:p>
             <a:pPr marL="0" indent="0" rtl="0" fontAlgn="base">
+              <a:lnSpc>
+                <a:spcPct val="110000"/>
+              </a:lnSpc>
               <a:spcBef>
                 <a:spcPts val="0"/>
               </a:spcBef>
@@ -17191,7 +17235,7 @@
               <a:buNone/>
             </a:pPr>
             <a:r>
-              <a:rPr lang="en-US" sz="1400" dirty="0">
+              <a:rPr lang="en-US" sz="1800" dirty="0">
                 <a:solidFill>
                   <a:srgbClr val="000000"/>
                 </a:solidFill>
@@ -17200,7 +17244,7 @@
               <a:t>	-</a:t>
             </a:r>
             <a:r>
-              <a:rPr lang="en-US" sz="1400" b="0" i="0" u="none" strike="noStrike" dirty="0">
+              <a:rPr lang="en-US" sz="1800" b="0" i="0" u="none" strike="noStrike" dirty="0">
                 <a:solidFill>
                   <a:srgbClr val="000000"/>
                 </a:solidFill>
@@ -17212,6 +17256,9 @@
           </a:p>
           <a:p>
             <a:pPr marL="0" indent="0" rtl="0" fontAlgn="base">
+              <a:lnSpc>
+                <a:spcPct val="110000"/>
+              </a:lnSpc>
               <a:spcBef>
                 <a:spcPts val="0"/>
               </a:spcBef>
@@ -17221,7 +17268,7 @@
               <a:buNone/>
             </a:pPr>
             <a:r>
-              <a:rPr lang="en-US" sz="1400" b="1" i="0" u="none" strike="noStrike" dirty="0">
+              <a:rPr lang="en-US" sz="1800" b="1" i="0" u="none" strike="noStrike" dirty="0">
                 <a:solidFill>
                   <a:srgbClr val="000000"/>
                 </a:solidFill>
@@ -17230,10 +17277,13 @@
               </a:rPr>
               <a:t>Phone Class</a:t>
             </a:r>
-            <a:endParaRPr lang="en-US" sz="1400" dirty="0"/>
+            <a:endParaRPr lang="en-US" sz="1800" dirty="0"/>
           </a:p>
           <a:p>
             <a:pPr marL="0" indent="0" rtl="0" fontAlgn="base">
+              <a:lnSpc>
+                <a:spcPct val="110000"/>
+              </a:lnSpc>
               <a:spcBef>
                 <a:spcPts val="0"/>
               </a:spcBef>
@@ -17243,7 +17293,7 @@
               <a:buNone/>
             </a:pPr>
             <a:r>
-              <a:rPr lang="en-US" sz="1400" dirty="0">
+              <a:rPr lang="en-US" sz="1800" dirty="0">
                 <a:solidFill>
                   <a:srgbClr val="000000"/>
                 </a:solidFill>
@@ -17252,7 +17302,7 @@
               <a:t>-</a:t>
             </a:r>
             <a:r>
-              <a:rPr lang="en-US" sz="1400" b="0" i="0" u="none" strike="noStrike" dirty="0">
+              <a:rPr lang="en-US" sz="1800" b="0" i="0" u="none" strike="noStrike" dirty="0">
                 <a:solidFill>
                   <a:srgbClr val="000000"/>
                 </a:solidFill>
@@ -17264,6 +17314,9 @@
           </a:p>
           <a:p>
             <a:pPr marL="0" indent="0" rtl="0" fontAlgn="base">
+              <a:lnSpc>
+                <a:spcPct val="110000"/>
+              </a:lnSpc>
               <a:spcBef>
                 <a:spcPts val="0"/>
               </a:spcBef>
@@ -17273,7 +17326,7 @@
               <a:buNone/>
             </a:pPr>
             <a:r>
-              <a:rPr lang="en-US" sz="1400" dirty="0">
+              <a:rPr lang="en-US" sz="1800" dirty="0">
                 <a:solidFill>
                   <a:srgbClr val="000000"/>
                 </a:solidFill>
@@ -17282,7 +17335,7 @@
               <a:t>-</a:t>
             </a:r>
             <a:r>
-              <a:rPr lang="en-US" sz="1400" b="0" i="0" u="none" strike="noStrike" dirty="0">
+              <a:rPr lang="en-US" sz="1800" b="0" i="0" u="none" strike="noStrike" dirty="0">
                 <a:solidFill>
                   <a:srgbClr val="000000"/>
                 </a:solidFill>
